--- a/Solution Design.pptx
+++ b/Solution Design.pptx
@@ -5,13 +5,14 @@
     <p:sldMasterId id="2147483672" r:id="rId4"/>
   </p:sldMasterIdLst>
   <p:notesMasterIdLst>
-    <p:notesMasterId r:id="rId9"/>
+    <p:notesMasterId r:id="rId10"/>
   </p:notesMasterIdLst>
   <p:sldIdLst>
     <p:sldId id="305" r:id="rId5"/>
     <p:sldId id="306" r:id="rId6"/>
     <p:sldId id="307" r:id="rId7"/>
     <p:sldId id="308" r:id="rId8"/>
+    <p:sldId id="309" r:id="rId9"/>
   </p:sldIdLst>
   <p:sldSz cx="12192000" cy="6858000"/>
   <p:notesSz cx="6858000" cy="9144000"/>
@@ -208,7 +209,7 @@
           <a:p>
             <a:fld id="{9ECF3A88-5542-2742-AF33-FBFF3C8522C5}" type="datetimeFigureOut">
               <a:rPr lang="en-US" smtClean="0"/>
-              <a:t>10/24/2021</a:t>
+              <a:t>10/25/2021</a:t>
             </a:fld>
             <a:endParaRPr lang="en-US"/>
           </a:p>
@@ -3318,7 +3319,7 @@
           <p:cNvPr id="4" name="Rectangle 3">
             <a:extLst>
               <a:ext uri="{FF2B5EF4-FFF2-40B4-BE49-F238E27FC236}">
-                <a16:creationId xmlns="" xmlns:a16="http://schemas.microsoft.com/office/drawing/2014/main" id="{75630085-3D7C-1E47-A244-879D8BA8EE73}"/>
+                <a16:creationId xmlns:a16="http://schemas.microsoft.com/office/drawing/2014/main" xmlns="" id="{75630085-3D7C-1E47-A244-879D8BA8EE73}"/>
               </a:ext>
             </a:extLst>
           </p:cNvPr>
@@ -3535,7 +3536,7 @@
           <p:cNvPr id="3" name="Picture 2" descr="A picture containing text&#10;&#10;Description automatically generated">
             <a:extLst>
               <a:ext uri="{FF2B5EF4-FFF2-40B4-BE49-F238E27FC236}">
-                <a16:creationId xmlns="" xmlns:a16="http://schemas.microsoft.com/office/drawing/2014/main" id="{CE39C9F4-9B84-C642-96FA-43FC6E3E0C1F}"/>
+                <a16:creationId xmlns:a16="http://schemas.microsoft.com/office/drawing/2014/main" xmlns="" id="{CE39C9F4-9B84-C642-96FA-43FC6E3E0C1F}"/>
               </a:ext>
             </a:extLst>
           </p:cNvPr>
@@ -3595,7 +3596,7 @@
           <p:cNvPr id="4" name="Rectangle 3">
             <a:extLst>
               <a:ext uri="{FF2B5EF4-FFF2-40B4-BE49-F238E27FC236}">
-                <a16:creationId xmlns="" xmlns:a16="http://schemas.microsoft.com/office/drawing/2014/main" id="{75630085-3D7C-1E47-A244-879D8BA8EE73}"/>
+                <a16:creationId xmlns:a16="http://schemas.microsoft.com/office/drawing/2014/main" xmlns="" id="{75630085-3D7C-1E47-A244-879D8BA8EE73}"/>
               </a:ext>
             </a:extLst>
           </p:cNvPr>
@@ -3845,7 +3846,7 @@
           <p:cNvPr id="4" name="Rectangle 3">
             <a:extLst>
               <a:ext uri="{FF2B5EF4-FFF2-40B4-BE49-F238E27FC236}">
-                <a16:creationId xmlns="" xmlns:a16="http://schemas.microsoft.com/office/drawing/2014/main" id="{75630085-3D7C-1E47-A244-879D8BA8EE73}"/>
+                <a16:creationId xmlns:a16="http://schemas.microsoft.com/office/drawing/2014/main" xmlns="" id="{75630085-3D7C-1E47-A244-879D8BA8EE73}"/>
               </a:ext>
             </a:extLst>
           </p:cNvPr>
@@ -4062,7 +4063,7 @@
           <p:cNvPr id="5" name="Google Shape;100;ge87a66508e_0_422">
             <a:extLst>
               <a:ext uri="{FF2B5EF4-FFF2-40B4-BE49-F238E27FC236}">
-                <a16:creationId xmlns="" xmlns:a16="http://schemas.microsoft.com/office/drawing/2014/main" id="{CE3BE093-8F82-E347-A8A8-A7E2E2B17F85}"/>
+                <a16:creationId xmlns:a16="http://schemas.microsoft.com/office/drawing/2014/main" xmlns="" id="{CE3BE093-8F82-E347-A8A8-A7E2E2B17F85}"/>
               </a:ext>
             </a:extLst>
           </p:cNvPr>
@@ -11902,7 +11903,7 @@
           <p:cNvPr id="2" name="TextBox 1">
             <a:extLst>
               <a:ext uri="{FF2B5EF4-FFF2-40B4-BE49-F238E27FC236}">
-                <a16:creationId xmlns="" xmlns:a16="http://schemas.microsoft.com/office/drawing/2014/main" id="{38691845-8B92-5F4A-AA05-F6827A23D981}"/>
+                <a16:creationId xmlns:a16="http://schemas.microsoft.com/office/drawing/2014/main" xmlns="" id="{38691845-8B92-5F4A-AA05-F6827A23D981}"/>
               </a:ext>
             </a:extLst>
           </p:cNvPr>
@@ -12671,7 +12672,7 @@
           <p:cNvPr id="2" name="Title 1">
             <a:extLst>
               <a:ext uri="{FF2B5EF4-FFF2-40B4-BE49-F238E27FC236}">
-                <a16:creationId xmlns="" xmlns:a16="http://schemas.microsoft.com/office/drawing/2014/main" id="{BEE06ADE-9BE7-6B44-89FB-526C6C476BD1}"/>
+                <a16:creationId xmlns:a16="http://schemas.microsoft.com/office/drawing/2014/main" xmlns="" id="{BEE06ADE-9BE7-6B44-89FB-526C6C476BD1}"/>
               </a:ext>
             </a:extLst>
           </p:cNvPr>
@@ -14657,6 +14658,136 @@
 </p:sld>
 </file>
 
+<file path=ppt/slides/slide5.xml><?xml version="1.0" encoding="utf-8"?>
+<p:sld xmlns:a="http://schemas.openxmlformats.org/drawingml/2006/main" xmlns:r="http://schemas.openxmlformats.org/officeDocument/2006/relationships" xmlns:p="http://schemas.openxmlformats.org/presentationml/2006/main">
+  <p:cSld>
+    <p:spTree>
+      <p:nvGrpSpPr>
+        <p:cNvPr id="1" name=""/>
+        <p:cNvGrpSpPr/>
+        <p:nvPr/>
+      </p:nvGrpSpPr>
+      <p:grpSpPr>
+        <a:xfrm>
+          <a:off x="0" y="0"/>
+          <a:ext cx="0" cy="0"/>
+          <a:chOff x="0" y="0"/>
+          <a:chExt cx="0" cy="0"/>
+        </a:xfrm>
+      </p:grpSpPr>
+      <p:sp>
+        <p:nvSpPr>
+          <p:cNvPr id="3" name="Title 2"/>
+          <p:cNvSpPr>
+            <a:spLocks noGrp="1"/>
+          </p:cNvSpPr>
+          <p:nvPr>
+            <p:ph type="title"/>
+          </p:nvPr>
+        </p:nvSpPr>
+        <p:spPr/>
+        <p:txBody>
+          <a:bodyPr/>
+          <a:lstStyle/>
+          <a:p>
+            <a:r>
+              <a:rPr lang="en-US" dirty="0" smtClean="0"/>
+              <a:t>Open Issues</a:t>
+            </a:r>
+            <a:endParaRPr lang="en-US" dirty="0"/>
+          </a:p>
+        </p:txBody>
+      </p:sp>
+      <p:sp>
+        <p:nvSpPr>
+          <p:cNvPr id="4" name="Rectangle 3"/>
+          <p:cNvSpPr/>
+          <p:nvPr/>
+        </p:nvSpPr>
+        <p:spPr>
+          <a:xfrm>
+            <a:off x="1624084" y="1992573"/>
+            <a:ext cx="8024883" cy="3534770"/>
+          </a:xfrm>
+          <a:prstGeom prst="rect">
+            <a:avLst/>
+          </a:prstGeom>
+          <a:noFill/>
+          <a:ln>
+            <a:solidFill>
+              <a:srgbClr val="FF9933"/>
+            </a:solidFill>
+            <a:prstDash val="sysDash"/>
+          </a:ln>
+        </p:spPr>
+        <p:style>
+          <a:lnRef idx="2">
+            <a:schemeClr val="accent1">
+              <a:shade val="50000"/>
+            </a:schemeClr>
+          </a:lnRef>
+          <a:fillRef idx="1">
+            <a:schemeClr val="accent1"/>
+          </a:fillRef>
+          <a:effectRef idx="0">
+            <a:schemeClr val="accent1"/>
+          </a:effectRef>
+          <a:fontRef idx="minor">
+            <a:schemeClr val="lt1"/>
+          </a:fontRef>
+        </p:style>
+        <p:txBody>
+          <a:bodyPr rtlCol="0" anchor="ctr"/>
+          <a:lstStyle/>
+          <a:p>
+            <a:pPr algn="ctr"/>
+            <a:endParaRPr lang="en-US"/>
+          </a:p>
+        </p:txBody>
+      </p:sp>
+      <p:sp>
+        <p:nvSpPr>
+          <p:cNvPr id="6" name="TextBox 5"/>
+          <p:cNvSpPr txBox="1"/>
+          <p:nvPr/>
+        </p:nvSpPr>
+        <p:spPr>
+          <a:xfrm>
+            <a:off x="1883391" y="2306472"/>
+            <a:ext cx="7519916" cy="369332"/>
+          </a:xfrm>
+          <a:prstGeom prst="rect">
+            <a:avLst/>
+          </a:prstGeom>
+          <a:noFill/>
+        </p:spPr>
+        <p:txBody>
+          <a:bodyPr wrap="square" rtlCol="0">
+            <a:spAutoFit/>
+          </a:bodyPr>
+          <a:lstStyle/>
+          <a:p>
+            <a:r>
+              <a:rPr lang="en-US" dirty="0" smtClean="0"/>
+              <a:t>Facing issue while uploading the image and work is in progress</a:t>
+            </a:r>
+            <a:endParaRPr lang="en-US" dirty="0"/>
+          </a:p>
+        </p:txBody>
+      </p:sp>
+    </p:spTree>
+    <p:extLst>
+      <p:ext uri="{BB962C8B-B14F-4D97-AF65-F5344CB8AC3E}">
+        <p14:creationId xmlns:p14="http://schemas.microsoft.com/office/powerpoint/2010/main" val="1291481136"/>
+      </p:ext>
+    </p:extLst>
+  </p:cSld>
+  <p:clrMapOvr>
+    <a:masterClrMapping/>
+  </p:clrMapOvr>
+</p:sld>
+</file>
+
 <file path=ppt/theme/theme1.xml><?xml version="1.0" encoding="utf-8"?>
 <a:theme xmlns:a="http://schemas.openxmlformats.org/drawingml/2006/main" name="1_Gallery">
   <a:themeElements>
@@ -15240,15 +15371,6 @@
 </file>
 
 <file path=customXml/item2.xml><?xml version="1.0" encoding="utf-8"?>
-<?mso-contentType ?>
-<FormTemplates xmlns="http://schemas.microsoft.com/sharepoint/v3/contenttype/forms">
-  <Display>DocumentLibraryForm</Display>
-  <Edit>DocumentLibraryForm</Edit>
-  <New>DocumentLibraryForm</New>
-</FormTemplates>
-</file>
-
-<file path=customXml/item3.xml><?xml version="1.0" encoding="utf-8"?>
 <ct:contentTypeSchema xmlns:ct="http://schemas.microsoft.com/office/2006/metadata/contentType" xmlns:ma="http://schemas.microsoft.com/office/2006/metadata/properties/metaAttributes" ct:_="" ma:_="" ma:contentTypeName="Document" ma:contentTypeID="0x010100EF6F94525AE0714198489ACDB914FD78" ma:contentTypeVersion="2" ma:contentTypeDescription="Create a new document." ma:contentTypeScope="" ma:versionID="f9ef3d92dadf13299470024123a84034">
   <xsd:schema xmlns:xsd="http://www.w3.org/2001/XMLSchema" xmlns:xs="http://www.w3.org/2001/XMLSchema" xmlns:p="http://schemas.microsoft.com/office/2006/metadata/properties" xmlns:ns2="1e108bbf-7a2a-4874-81f1-8f4c23de400c" targetNamespace="http://schemas.microsoft.com/office/2006/metadata/properties" ma:root="true" ma:fieldsID="1cb0837958f74a53fc423cbb76670693" ns2:_="">
     <xsd:import namespace="1e108bbf-7a2a-4874-81f1-8f4c23de400c"/>
@@ -15380,6 +15502,15 @@
 </ct:contentTypeSchema>
 </file>
 
+<file path=customXml/item3.xml><?xml version="1.0" encoding="utf-8"?>
+<?mso-contentType ?>
+<FormTemplates xmlns="http://schemas.microsoft.com/sharepoint/v3/contenttype/forms">
+  <Display>DocumentLibraryForm</Display>
+  <Edit>DocumentLibraryForm</Edit>
+  <New>DocumentLibraryForm</New>
+</FormTemplates>
+</file>
+
 <file path=customXml/itemProps1.xml><?xml version="1.0" encoding="utf-8"?>
 <ds:datastoreItem xmlns:ds="http://schemas.openxmlformats.org/officeDocument/2006/customXml" ds:itemID="{7E75805B-7B69-465B-AE1E-726924909DA9}">
   <ds:schemaRefs>
@@ -15397,14 +15528,6 @@
 </file>
 
 <file path=customXml/itemProps2.xml><?xml version="1.0" encoding="utf-8"?>
-<ds:datastoreItem xmlns:ds="http://schemas.openxmlformats.org/officeDocument/2006/customXml" ds:itemID="{263ECA17-E0CF-4FC1-9B3B-2FB067E53AE6}">
-  <ds:schemaRefs>
-    <ds:schemaRef ds:uri="http://schemas.microsoft.com/sharepoint/v3/contenttype/forms"/>
-  </ds:schemaRefs>
-</ds:datastoreItem>
-</file>
-
-<file path=customXml/itemProps3.xml><?xml version="1.0" encoding="utf-8"?>
 <ds:datastoreItem xmlns:ds="http://schemas.openxmlformats.org/officeDocument/2006/customXml" ds:itemID="{E633F535-A8EB-40FB-9C8E-9F9292C6F01B}">
   <ds:schemaRefs>
     <ds:schemaRef ds:uri="1e108bbf-7a2a-4874-81f1-8f4c23de400c"/>
@@ -15420,4 +15543,12 @@
     <ds:schemaRef ds:uri="http://www.w3.org/2001/XMLSchema"/>
   </ds:schemaRefs>
 </ds:datastoreItem>
+</file>
+
+<file path=customXml/itemProps3.xml><?xml version="1.0" encoding="utf-8"?>
+<ds:datastoreItem xmlns:ds="http://schemas.openxmlformats.org/officeDocument/2006/customXml" ds:itemID="{263ECA17-E0CF-4FC1-9B3B-2FB067E53AE6}">
+  <ds:schemaRefs>
+    <ds:schemaRef ds:uri="http://schemas.microsoft.com/sharepoint/v3/contenttype/forms"/>
+  </ds:schemaRefs>
+</ds:datastoreItem>
 </file>